--- a/ppt 16-9/0854.彰显神的爱.pptx
+++ b/ppt 16-9/0854.彰显神的爱.pptx
@@ -129,7 +129,7 @@
           <p:cNvPr id="2" name="标题 1">
             <a:extLst>
               <a:ext uri="{FF2B5EF4-FFF2-40B4-BE49-F238E27FC236}">
-                <a16:creationId xmlns:a16="http://schemas.microsoft.com/office/drawing/2014/main" id="{A0BAD48B-B532-5A96-D1EF-61E87868914E}"/>
+                <a16:creationId xmlns:a16="http://schemas.microsoft.com/office/drawing/2014/main" id="{120DF1D1-EFBF-919F-7772-1CDBF55CCFA2}"/>
               </a:ext>
             </a:extLst>
           </p:cNvPr>
@@ -166,7 +166,7 @@
           <p:cNvPr id="3" name="副标题 2">
             <a:extLst>
               <a:ext uri="{FF2B5EF4-FFF2-40B4-BE49-F238E27FC236}">
-                <a16:creationId xmlns:a16="http://schemas.microsoft.com/office/drawing/2014/main" id="{66E1A287-C57D-00AE-497F-C89EB06ED94E}"/>
+                <a16:creationId xmlns:a16="http://schemas.microsoft.com/office/drawing/2014/main" id="{DF6C3848-39A3-73FD-6317-C63992348FA5}"/>
               </a:ext>
             </a:extLst>
           </p:cNvPr>
@@ -236,7 +236,7 @@
           <p:cNvPr id="4" name="日期占位符 3">
             <a:extLst>
               <a:ext uri="{FF2B5EF4-FFF2-40B4-BE49-F238E27FC236}">
-                <a16:creationId xmlns:a16="http://schemas.microsoft.com/office/drawing/2014/main" id="{E7B5AC00-C7FA-F77C-E98B-F5BF40B2ABAA}"/>
+                <a16:creationId xmlns:a16="http://schemas.microsoft.com/office/drawing/2014/main" id="{6ABD81FC-EA0A-1EEB-95F3-D3FED507EADB}"/>
               </a:ext>
             </a:extLst>
           </p:cNvPr>
@@ -252,7 +252,7 @@
           <a:bodyPr/>
           <a:lstStyle/>
           <a:p>
-            <a:fld id="{16DD1FED-687C-49BB-A123-43622980FD18}" type="datetimeFigureOut">
+            <a:fld id="{1CF3B708-E129-43DB-8FDD-64DA82E60FCD}" type="datetimeFigureOut">
               <a:rPr lang="zh-CN" altLang="en-US" smtClean="0"/>
               <a:t>2024/3/10</a:t>
             </a:fld>
@@ -265,7 +265,7 @@
           <p:cNvPr id="5" name="页脚占位符 4">
             <a:extLst>
               <a:ext uri="{FF2B5EF4-FFF2-40B4-BE49-F238E27FC236}">
-                <a16:creationId xmlns:a16="http://schemas.microsoft.com/office/drawing/2014/main" id="{1FE4F4CE-ED08-349B-2A64-97905147A5A5}"/>
+                <a16:creationId xmlns:a16="http://schemas.microsoft.com/office/drawing/2014/main" id="{2A3A91B4-C511-82FB-2754-7D71C0F4B1A7}"/>
               </a:ext>
             </a:extLst>
           </p:cNvPr>
@@ -290,7 +290,7 @@
           <p:cNvPr id="6" name="灯片编号占位符 5">
             <a:extLst>
               <a:ext uri="{FF2B5EF4-FFF2-40B4-BE49-F238E27FC236}">
-                <a16:creationId xmlns:a16="http://schemas.microsoft.com/office/drawing/2014/main" id="{196BD229-2364-18C0-55C9-2B45E97FA1D4}"/>
+                <a16:creationId xmlns:a16="http://schemas.microsoft.com/office/drawing/2014/main" id="{4FE5BD59-88C7-994D-D805-9568193068DD}"/>
               </a:ext>
             </a:extLst>
           </p:cNvPr>
@@ -306,7 +306,7 @@
           <a:bodyPr/>
           <a:lstStyle/>
           <a:p>
-            <a:fld id="{D99799A1-B408-44F4-880F-1B0D8BCF72A2}" type="slidenum">
+            <a:fld id="{C7B0BD00-0FC5-40DB-868E-9673D158203F}" type="slidenum">
               <a:rPr lang="zh-CN" altLang="en-US" smtClean="0"/>
               <a:t>‹#›</a:t>
             </a:fld>
@@ -317,7 +317,7 @@
     </p:spTree>
     <p:extLst>
       <p:ext uri="{BB962C8B-B14F-4D97-AF65-F5344CB8AC3E}">
-        <p14:creationId xmlns:p14="http://schemas.microsoft.com/office/powerpoint/2010/main" val="171343923"/>
+        <p14:creationId xmlns:p14="http://schemas.microsoft.com/office/powerpoint/2010/main" val="1726346217"/>
       </p:ext>
     </p:extLst>
   </p:cSld>
@@ -349,7 +349,7 @@
           <p:cNvPr id="2" name="标题 1">
             <a:extLst>
               <a:ext uri="{FF2B5EF4-FFF2-40B4-BE49-F238E27FC236}">
-                <a16:creationId xmlns:a16="http://schemas.microsoft.com/office/drawing/2014/main" id="{A6BF31A3-1EF8-82BC-7F41-BC4273FE5812}"/>
+                <a16:creationId xmlns:a16="http://schemas.microsoft.com/office/drawing/2014/main" id="{4DCB185D-9DC7-F54E-AA38-BA549881322F}"/>
               </a:ext>
             </a:extLst>
           </p:cNvPr>
@@ -377,7 +377,7 @@
           <p:cNvPr id="3" name="竖排文字占位符 2">
             <a:extLst>
               <a:ext uri="{FF2B5EF4-FFF2-40B4-BE49-F238E27FC236}">
-                <a16:creationId xmlns:a16="http://schemas.microsoft.com/office/drawing/2014/main" id="{B26BA4B5-8391-3B8C-345C-C6A2F4766B8E}"/>
+                <a16:creationId xmlns:a16="http://schemas.microsoft.com/office/drawing/2014/main" id="{88E9CABA-F3B8-2E24-F5FF-8320614FD44B}"/>
               </a:ext>
             </a:extLst>
           </p:cNvPr>
@@ -434,7 +434,7 @@
           <p:cNvPr id="4" name="日期占位符 3">
             <a:extLst>
               <a:ext uri="{FF2B5EF4-FFF2-40B4-BE49-F238E27FC236}">
-                <a16:creationId xmlns:a16="http://schemas.microsoft.com/office/drawing/2014/main" id="{1E9A6613-5ACB-5669-24F2-513B74912610}"/>
+                <a16:creationId xmlns:a16="http://schemas.microsoft.com/office/drawing/2014/main" id="{302213EF-4997-8387-ACE8-6B9CD7C0AB1B}"/>
               </a:ext>
             </a:extLst>
           </p:cNvPr>
@@ -450,7 +450,7 @@
           <a:bodyPr/>
           <a:lstStyle/>
           <a:p>
-            <a:fld id="{16DD1FED-687C-49BB-A123-43622980FD18}" type="datetimeFigureOut">
+            <a:fld id="{1CF3B708-E129-43DB-8FDD-64DA82E60FCD}" type="datetimeFigureOut">
               <a:rPr lang="zh-CN" altLang="en-US" smtClean="0"/>
               <a:t>2024/3/10</a:t>
             </a:fld>
@@ -463,7 +463,7 @@
           <p:cNvPr id="5" name="页脚占位符 4">
             <a:extLst>
               <a:ext uri="{FF2B5EF4-FFF2-40B4-BE49-F238E27FC236}">
-                <a16:creationId xmlns:a16="http://schemas.microsoft.com/office/drawing/2014/main" id="{0A4ED8E2-3FBD-C5E8-81AF-B56F5E3F8CAB}"/>
+                <a16:creationId xmlns:a16="http://schemas.microsoft.com/office/drawing/2014/main" id="{A23F2B40-5B5A-A511-DECD-433E533C848E}"/>
               </a:ext>
             </a:extLst>
           </p:cNvPr>
@@ -488,7 +488,7 @@
           <p:cNvPr id="6" name="灯片编号占位符 5">
             <a:extLst>
               <a:ext uri="{FF2B5EF4-FFF2-40B4-BE49-F238E27FC236}">
-                <a16:creationId xmlns:a16="http://schemas.microsoft.com/office/drawing/2014/main" id="{9B1552AA-DB45-5255-0508-ADE82E8A1E9A}"/>
+                <a16:creationId xmlns:a16="http://schemas.microsoft.com/office/drawing/2014/main" id="{547F8B27-48FF-E7AA-35EC-04062DE3C8B2}"/>
               </a:ext>
             </a:extLst>
           </p:cNvPr>
@@ -504,7 +504,7 @@
           <a:bodyPr/>
           <a:lstStyle/>
           <a:p>
-            <a:fld id="{D99799A1-B408-44F4-880F-1B0D8BCF72A2}" type="slidenum">
+            <a:fld id="{C7B0BD00-0FC5-40DB-868E-9673D158203F}" type="slidenum">
               <a:rPr lang="zh-CN" altLang="en-US" smtClean="0"/>
               <a:t>‹#›</a:t>
             </a:fld>
@@ -515,7 +515,7 @@
     </p:spTree>
     <p:extLst>
       <p:ext uri="{BB962C8B-B14F-4D97-AF65-F5344CB8AC3E}">
-        <p14:creationId xmlns:p14="http://schemas.microsoft.com/office/powerpoint/2010/main" val="4036594157"/>
+        <p14:creationId xmlns:p14="http://schemas.microsoft.com/office/powerpoint/2010/main" val="2732385138"/>
       </p:ext>
     </p:extLst>
   </p:cSld>
@@ -547,7 +547,7 @@
           <p:cNvPr id="2" name="竖排标题 1">
             <a:extLst>
               <a:ext uri="{FF2B5EF4-FFF2-40B4-BE49-F238E27FC236}">
-                <a16:creationId xmlns:a16="http://schemas.microsoft.com/office/drawing/2014/main" id="{66F059C3-DB03-C2E5-F8DB-78E22C3C8F7B}"/>
+                <a16:creationId xmlns:a16="http://schemas.microsoft.com/office/drawing/2014/main" id="{F2AF0C87-61AD-FFAF-488B-F2A844BCAD96}"/>
               </a:ext>
             </a:extLst>
           </p:cNvPr>
@@ -580,7 +580,7 @@
           <p:cNvPr id="3" name="竖排文字占位符 2">
             <a:extLst>
               <a:ext uri="{FF2B5EF4-FFF2-40B4-BE49-F238E27FC236}">
-                <a16:creationId xmlns:a16="http://schemas.microsoft.com/office/drawing/2014/main" id="{0DEF7DDC-85F6-FB87-59BC-93F7467BD97D}"/>
+                <a16:creationId xmlns:a16="http://schemas.microsoft.com/office/drawing/2014/main" id="{4E204B3D-E710-EB23-B88F-0B938F1B8E8C}"/>
               </a:ext>
             </a:extLst>
           </p:cNvPr>
@@ -642,7 +642,7 @@
           <p:cNvPr id="4" name="日期占位符 3">
             <a:extLst>
               <a:ext uri="{FF2B5EF4-FFF2-40B4-BE49-F238E27FC236}">
-                <a16:creationId xmlns:a16="http://schemas.microsoft.com/office/drawing/2014/main" id="{DEA2DE2A-3A4F-8936-858F-558A3D698BAA}"/>
+                <a16:creationId xmlns:a16="http://schemas.microsoft.com/office/drawing/2014/main" id="{8343EEE4-6956-5350-06EC-AB566FB942D3}"/>
               </a:ext>
             </a:extLst>
           </p:cNvPr>
@@ -658,7 +658,7 @@
           <a:bodyPr/>
           <a:lstStyle/>
           <a:p>
-            <a:fld id="{16DD1FED-687C-49BB-A123-43622980FD18}" type="datetimeFigureOut">
+            <a:fld id="{1CF3B708-E129-43DB-8FDD-64DA82E60FCD}" type="datetimeFigureOut">
               <a:rPr lang="zh-CN" altLang="en-US" smtClean="0"/>
               <a:t>2024/3/10</a:t>
             </a:fld>
@@ -671,7 +671,7 @@
           <p:cNvPr id="5" name="页脚占位符 4">
             <a:extLst>
               <a:ext uri="{FF2B5EF4-FFF2-40B4-BE49-F238E27FC236}">
-                <a16:creationId xmlns:a16="http://schemas.microsoft.com/office/drawing/2014/main" id="{FAE95625-A540-1A9E-6494-490539C8459E}"/>
+                <a16:creationId xmlns:a16="http://schemas.microsoft.com/office/drawing/2014/main" id="{5AF0DEA1-7E2D-BFF6-54F8-E3DF6DFD0607}"/>
               </a:ext>
             </a:extLst>
           </p:cNvPr>
@@ -696,7 +696,7 @@
           <p:cNvPr id="6" name="灯片编号占位符 5">
             <a:extLst>
               <a:ext uri="{FF2B5EF4-FFF2-40B4-BE49-F238E27FC236}">
-                <a16:creationId xmlns:a16="http://schemas.microsoft.com/office/drawing/2014/main" id="{A66F28EE-7565-35FC-3B74-50402FA85DFB}"/>
+                <a16:creationId xmlns:a16="http://schemas.microsoft.com/office/drawing/2014/main" id="{1535D24C-5DB9-4236-33D6-35EBC1D3EF2B}"/>
               </a:ext>
             </a:extLst>
           </p:cNvPr>
@@ -712,7 +712,7 @@
           <a:bodyPr/>
           <a:lstStyle/>
           <a:p>
-            <a:fld id="{D99799A1-B408-44F4-880F-1B0D8BCF72A2}" type="slidenum">
+            <a:fld id="{C7B0BD00-0FC5-40DB-868E-9673D158203F}" type="slidenum">
               <a:rPr lang="zh-CN" altLang="en-US" smtClean="0"/>
               <a:t>‹#›</a:t>
             </a:fld>
@@ -723,7 +723,7 @@
     </p:spTree>
     <p:extLst>
       <p:ext uri="{BB962C8B-B14F-4D97-AF65-F5344CB8AC3E}">
-        <p14:creationId xmlns:p14="http://schemas.microsoft.com/office/powerpoint/2010/main" val="1590128309"/>
+        <p14:creationId xmlns:p14="http://schemas.microsoft.com/office/powerpoint/2010/main" val="305791559"/>
       </p:ext>
     </p:extLst>
   </p:cSld>
@@ -755,7 +755,7 @@
           <p:cNvPr id="2" name="标题 1">
             <a:extLst>
               <a:ext uri="{FF2B5EF4-FFF2-40B4-BE49-F238E27FC236}">
-                <a16:creationId xmlns:a16="http://schemas.microsoft.com/office/drawing/2014/main" id="{E2787759-63FC-DED3-ECB2-6D19F29A2863}"/>
+                <a16:creationId xmlns:a16="http://schemas.microsoft.com/office/drawing/2014/main" id="{E3376179-F22A-77A2-CB0A-209DABE806AA}"/>
               </a:ext>
             </a:extLst>
           </p:cNvPr>
@@ -783,7 +783,7 @@
           <p:cNvPr id="3" name="内容占位符 2">
             <a:extLst>
               <a:ext uri="{FF2B5EF4-FFF2-40B4-BE49-F238E27FC236}">
-                <a16:creationId xmlns:a16="http://schemas.microsoft.com/office/drawing/2014/main" id="{5578EBF3-33F9-8FF2-C38A-F3D083A9B8B9}"/>
+                <a16:creationId xmlns:a16="http://schemas.microsoft.com/office/drawing/2014/main" id="{F1C3AB7E-2551-8FD0-EEB0-546B9D04B566}"/>
               </a:ext>
             </a:extLst>
           </p:cNvPr>
@@ -840,7 +840,7 @@
           <p:cNvPr id="4" name="日期占位符 3">
             <a:extLst>
               <a:ext uri="{FF2B5EF4-FFF2-40B4-BE49-F238E27FC236}">
-                <a16:creationId xmlns:a16="http://schemas.microsoft.com/office/drawing/2014/main" id="{10514572-526B-23F7-E7FD-CEB252AB98E4}"/>
+                <a16:creationId xmlns:a16="http://schemas.microsoft.com/office/drawing/2014/main" id="{E6D6821F-2D14-3647-5040-B1D90465CFC8}"/>
               </a:ext>
             </a:extLst>
           </p:cNvPr>
@@ -856,7 +856,7 @@
           <a:bodyPr/>
           <a:lstStyle/>
           <a:p>
-            <a:fld id="{16DD1FED-687C-49BB-A123-43622980FD18}" type="datetimeFigureOut">
+            <a:fld id="{1CF3B708-E129-43DB-8FDD-64DA82E60FCD}" type="datetimeFigureOut">
               <a:rPr lang="zh-CN" altLang="en-US" smtClean="0"/>
               <a:t>2024/3/10</a:t>
             </a:fld>
@@ -869,7 +869,7 @@
           <p:cNvPr id="5" name="页脚占位符 4">
             <a:extLst>
               <a:ext uri="{FF2B5EF4-FFF2-40B4-BE49-F238E27FC236}">
-                <a16:creationId xmlns:a16="http://schemas.microsoft.com/office/drawing/2014/main" id="{E588E591-A20A-CAE3-FA0E-78193B7C9B82}"/>
+                <a16:creationId xmlns:a16="http://schemas.microsoft.com/office/drawing/2014/main" id="{DCE04E71-9B84-C706-9B72-8D9B920C393D}"/>
               </a:ext>
             </a:extLst>
           </p:cNvPr>
@@ -894,7 +894,7 @@
           <p:cNvPr id="6" name="灯片编号占位符 5">
             <a:extLst>
               <a:ext uri="{FF2B5EF4-FFF2-40B4-BE49-F238E27FC236}">
-                <a16:creationId xmlns:a16="http://schemas.microsoft.com/office/drawing/2014/main" id="{7B881794-6435-AC59-0D9E-091FA5F65690}"/>
+                <a16:creationId xmlns:a16="http://schemas.microsoft.com/office/drawing/2014/main" id="{54A163A6-2EE1-58D0-F5AD-0B6B970C6138}"/>
               </a:ext>
             </a:extLst>
           </p:cNvPr>
@@ -910,7 +910,7 @@
           <a:bodyPr/>
           <a:lstStyle/>
           <a:p>
-            <a:fld id="{D99799A1-B408-44F4-880F-1B0D8BCF72A2}" type="slidenum">
+            <a:fld id="{C7B0BD00-0FC5-40DB-868E-9673D158203F}" type="slidenum">
               <a:rPr lang="zh-CN" altLang="en-US" smtClean="0"/>
               <a:t>‹#›</a:t>
             </a:fld>
@@ -921,7 +921,7 @@
     </p:spTree>
     <p:extLst>
       <p:ext uri="{BB962C8B-B14F-4D97-AF65-F5344CB8AC3E}">
-        <p14:creationId xmlns:p14="http://schemas.microsoft.com/office/powerpoint/2010/main" val="3216802823"/>
+        <p14:creationId xmlns:p14="http://schemas.microsoft.com/office/powerpoint/2010/main" val="1537609900"/>
       </p:ext>
     </p:extLst>
   </p:cSld>
@@ -953,7 +953,7 @@
           <p:cNvPr id="2" name="标题 1">
             <a:extLst>
               <a:ext uri="{FF2B5EF4-FFF2-40B4-BE49-F238E27FC236}">
-                <a16:creationId xmlns:a16="http://schemas.microsoft.com/office/drawing/2014/main" id="{FA925F6D-B0F8-4BBD-BDD6-611DFA928938}"/>
+                <a16:creationId xmlns:a16="http://schemas.microsoft.com/office/drawing/2014/main" id="{0ACD0460-09F0-9878-5233-6B153C677376}"/>
               </a:ext>
             </a:extLst>
           </p:cNvPr>
@@ -990,7 +990,7 @@
           <p:cNvPr id="3" name="文本占位符 2">
             <a:extLst>
               <a:ext uri="{FF2B5EF4-FFF2-40B4-BE49-F238E27FC236}">
-                <a16:creationId xmlns:a16="http://schemas.microsoft.com/office/drawing/2014/main" id="{64D0414E-1344-44FC-B7AA-9E45CC2438FE}"/>
+                <a16:creationId xmlns:a16="http://schemas.microsoft.com/office/drawing/2014/main" id="{70BFA0F0-661D-D71C-1D28-60F63CAAEB3B}"/>
               </a:ext>
             </a:extLst>
           </p:cNvPr>
@@ -1115,7 +1115,7 @@
           <p:cNvPr id="4" name="日期占位符 3">
             <a:extLst>
               <a:ext uri="{FF2B5EF4-FFF2-40B4-BE49-F238E27FC236}">
-                <a16:creationId xmlns:a16="http://schemas.microsoft.com/office/drawing/2014/main" id="{79D74B89-D4BC-A24A-606D-26F34CB02601}"/>
+                <a16:creationId xmlns:a16="http://schemas.microsoft.com/office/drawing/2014/main" id="{730C4F56-5179-0421-C941-9E58AB9D0A43}"/>
               </a:ext>
             </a:extLst>
           </p:cNvPr>
@@ -1131,7 +1131,7 @@
           <a:bodyPr/>
           <a:lstStyle/>
           <a:p>
-            <a:fld id="{16DD1FED-687C-49BB-A123-43622980FD18}" type="datetimeFigureOut">
+            <a:fld id="{1CF3B708-E129-43DB-8FDD-64DA82E60FCD}" type="datetimeFigureOut">
               <a:rPr lang="zh-CN" altLang="en-US" smtClean="0"/>
               <a:t>2024/3/10</a:t>
             </a:fld>
@@ -1144,7 +1144,7 @@
           <p:cNvPr id="5" name="页脚占位符 4">
             <a:extLst>
               <a:ext uri="{FF2B5EF4-FFF2-40B4-BE49-F238E27FC236}">
-                <a16:creationId xmlns:a16="http://schemas.microsoft.com/office/drawing/2014/main" id="{1A6CEE6F-9CCF-4D61-D119-D2394AA70492}"/>
+                <a16:creationId xmlns:a16="http://schemas.microsoft.com/office/drawing/2014/main" id="{F5CF2173-1CE9-8739-D5AF-CA19581A37E9}"/>
               </a:ext>
             </a:extLst>
           </p:cNvPr>
@@ -1169,7 +1169,7 @@
           <p:cNvPr id="6" name="灯片编号占位符 5">
             <a:extLst>
               <a:ext uri="{FF2B5EF4-FFF2-40B4-BE49-F238E27FC236}">
-                <a16:creationId xmlns:a16="http://schemas.microsoft.com/office/drawing/2014/main" id="{6731CE13-944B-9A23-5E7C-882A2C69CE87}"/>
+                <a16:creationId xmlns:a16="http://schemas.microsoft.com/office/drawing/2014/main" id="{326B2C41-71BF-E939-E239-632BAF77480B}"/>
               </a:ext>
             </a:extLst>
           </p:cNvPr>
@@ -1185,7 +1185,7 @@
           <a:bodyPr/>
           <a:lstStyle/>
           <a:p>
-            <a:fld id="{D99799A1-B408-44F4-880F-1B0D8BCF72A2}" type="slidenum">
+            <a:fld id="{C7B0BD00-0FC5-40DB-868E-9673D158203F}" type="slidenum">
               <a:rPr lang="zh-CN" altLang="en-US" smtClean="0"/>
               <a:t>‹#›</a:t>
             </a:fld>
@@ -1196,7 +1196,7 @@
     </p:spTree>
     <p:extLst>
       <p:ext uri="{BB962C8B-B14F-4D97-AF65-F5344CB8AC3E}">
-        <p14:creationId xmlns:p14="http://schemas.microsoft.com/office/powerpoint/2010/main" val="1340398586"/>
+        <p14:creationId xmlns:p14="http://schemas.microsoft.com/office/powerpoint/2010/main" val="1482041972"/>
       </p:ext>
     </p:extLst>
   </p:cSld>
@@ -1228,7 +1228,7 @@
           <p:cNvPr id="2" name="标题 1">
             <a:extLst>
               <a:ext uri="{FF2B5EF4-FFF2-40B4-BE49-F238E27FC236}">
-                <a16:creationId xmlns:a16="http://schemas.microsoft.com/office/drawing/2014/main" id="{59E86A87-3FAA-6C3C-0E7A-C5ED61B259E0}"/>
+                <a16:creationId xmlns:a16="http://schemas.microsoft.com/office/drawing/2014/main" id="{B2990667-E2B3-380F-BE1F-C6527287B52E}"/>
               </a:ext>
             </a:extLst>
           </p:cNvPr>
@@ -1256,7 +1256,7 @@
           <p:cNvPr id="3" name="内容占位符 2">
             <a:extLst>
               <a:ext uri="{FF2B5EF4-FFF2-40B4-BE49-F238E27FC236}">
-                <a16:creationId xmlns:a16="http://schemas.microsoft.com/office/drawing/2014/main" id="{A937B8DC-6FA9-0B20-186F-9FBF05DFDDC0}"/>
+                <a16:creationId xmlns:a16="http://schemas.microsoft.com/office/drawing/2014/main" id="{D65643EE-082E-5159-7DEE-A368BE149E03}"/>
               </a:ext>
             </a:extLst>
           </p:cNvPr>
@@ -1318,7 +1318,7 @@
           <p:cNvPr id="4" name="内容占位符 3">
             <a:extLst>
               <a:ext uri="{FF2B5EF4-FFF2-40B4-BE49-F238E27FC236}">
-                <a16:creationId xmlns:a16="http://schemas.microsoft.com/office/drawing/2014/main" id="{C9598E6D-92A3-A541-87C2-BBB1AD469119}"/>
+                <a16:creationId xmlns:a16="http://schemas.microsoft.com/office/drawing/2014/main" id="{974BA0F4-0578-1741-BCFF-4F194F1F3572}"/>
               </a:ext>
             </a:extLst>
           </p:cNvPr>
@@ -1380,7 +1380,7 @@
           <p:cNvPr id="5" name="日期占位符 4">
             <a:extLst>
               <a:ext uri="{FF2B5EF4-FFF2-40B4-BE49-F238E27FC236}">
-                <a16:creationId xmlns:a16="http://schemas.microsoft.com/office/drawing/2014/main" id="{98E0C4F7-9DF9-18EC-72B9-09BD1F0D4D39}"/>
+                <a16:creationId xmlns:a16="http://schemas.microsoft.com/office/drawing/2014/main" id="{286527F8-21D5-9156-D26B-6F9C5FD14105}"/>
               </a:ext>
             </a:extLst>
           </p:cNvPr>
@@ -1396,7 +1396,7 @@
           <a:bodyPr/>
           <a:lstStyle/>
           <a:p>
-            <a:fld id="{16DD1FED-687C-49BB-A123-43622980FD18}" type="datetimeFigureOut">
+            <a:fld id="{1CF3B708-E129-43DB-8FDD-64DA82E60FCD}" type="datetimeFigureOut">
               <a:rPr lang="zh-CN" altLang="en-US" smtClean="0"/>
               <a:t>2024/3/10</a:t>
             </a:fld>
@@ -1409,7 +1409,7 @@
           <p:cNvPr id="6" name="页脚占位符 5">
             <a:extLst>
               <a:ext uri="{FF2B5EF4-FFF2-40B4-BE49-F238E27FC236}">
-                <a16:creationId xmlns:a16="http://schemas.microsoft.com/office/drawing/2014/main" id="{DA2F5C8E-C0A0-E78A-CAA2-CB8562182291}"/>
+                <a16:creationId xmlns:a16="http://schemas.microsoft.com/office/drawing/2014/main" id="{30361688-A8AD-10B0-E604-FFE459A48D64}"/>
               </a:ext>
             </a:extLst>
           </p:cNvPr>
@@ -1434,7 +1434,7 @@
           <p:cNvPr id="7" name="灯片编号占位符 6">
             <a:extLst>
               <a:ext uri="{FF2B5EF4-FFF2-40B4-BE49-F238E27FC236}">
-                <a16:creationId xmlns:a16="http://schemas.microsoft.com/office/drawing/2014/main" id="{578F4632-ED72-61CC-8B96-B6E70273C745}"/>
+                <a16:creationId xmlns:a16="http://schemas.microsoft.com/office/drawing/2014/main" id="{36BA5378-2A54-EB16-5A2B-FABAEF7152F1}"/>
               </a:ext>
             </a:extLst>
           </p:cNvPr>
@@ -1450,7 +1450,7 @@
           <a:bodyPr/>
           <a:lstStyle/>
           <a:p>
-            <a:fld id="{D99799A1-B408-44F4-880F-1B0D8BCF72A2}" type="slidenum">
+            <a:fld id="{C7B0BD00-0FC5-40DB-868E-9673D158203F}" type="slidenum">
               <a:rPr lang="zh-CN" altLang="en-US" smtClean="0"/>
               <a:t>‹#›</a:t>
             </a:fld>
@@ -1461,7 +1461,7 @@
     </p:spTree>
     <p:extLst>
       <p:ext uri="{BB962C8B-B14F-4D97-AF65-F5344CB8AC3E}">
-        <p14:creationId xmlns:p14="http://schemas.microsoft.com/office/powerpoint/2010/main" val="2486823330"/>
+        <p14:creationId xmlns:p14="http://schemas.microsoft.com/office/powerpoint/2010/main" val="1875143078"/>
       </p:ext>
     </p:extLst>
   </p:cSld>
@@ -1493,7 +1493,7 @@
           <p:cNvPr id="2" name="标题 1">
             <a:extLst>
               <a:ext uri="{FF2B5EF4-FFF2-40B4-BE49-F238E27FC236}">
-                <a16:creationId xmlns:a16="http://schemas.microsoft.com/office/drawing/2014/main" id="{BCD7939C-EC51-8B6A-0359-E89867CC5766}"/>
+                <a16:creationId xmlns:a16="http://schemas.microsoft.com/office/drawing/2014/main" id="{D5807159-1147-49E8-8E25-1058703A8BEF}"/>
               </a:ext>
             </a:extLst>
           </p:cNvPr>
@@ -1526,7 +1526,7 @@
           <p:cNvPr id="3" name="文本占位符 2">
             <a:extLst>
               <a:ext uri="{FF2B5EF4-FFF2-40B4-BE49-F238E27FC236}">
-                <a16:creationId xmlns:a16="http://schemas.microsoft.com/office/drawing/2014/main" id="{39618978-F47C-07BE-9C9B-84BEB7C61404}"/>
+                <a16:creationId xmlns:a16="http://schemas.microsoft.com/office/drawing/2014/main" id="{0BDC2BAF-3A93-A053-129E-1A4B3C4AA4F0}"/>
               </a:ext>
             </a:extLst>
           </p:cNvPr>
@@ -1597,7 +1597,7 @@
           <p:cNvPr id="4" name="内容占位符 3">
             <a:extLst>
               <a:ext uri="{FF2B5EF4-FFF2-40B4-BE49-F238E27FC236}">
-                <a16:creationId xmlns:a16="http://schemas.microsoft.com/office/drawing/2014/main" id="{004A003F-EC27-7EAC-12F8-980A3FF48752}"/>
+                <a16:creationId xmlns:a16="http://schemas.microsoft.com/office/drawing/2014/main" id="{A6DC40AA-F090-69A1-2A16-42750C9BD9F0}"/>
               </a:ext>
             </a:extLst>
           </p:cNvPr>
@@ -1659,7 +1659,7 @@
           <p:cNvPr id="5" name="文本占位符 4">
             <a:extLst>
               <a:ext uri="{FF2B5EF4-FFF2-40B4-BE49-F238E27FC236}">
-                <a16:creationId xmlns:a16="http://schemas.microsoft.com/office/drawing/2014/main" id="{1E6A75DD-FBBA-6CF4-621F-75B00FD0A740}"/>
+                <a16:creationId xmlns:a16="http://schemas.microsoft.com/office/drawing/2014/main" id="{146A967B-E1D4-464A-5305-30A01BCD1806}"/>
               </a:ext>
             </a:extLst>
           </p:cNvPr>
@@ -1730,7 +1730,7 @@
           <p:cNvPr id="6" name="内容占位符 5">
             <a:extLst>
               <a:ext uri="{FF2B5EF4-FFF2-40B4-BE49-F238E27FC236}">
-                <a16:creationId xmlns:a16="http://schemas.microsoft.com/office/drawing/2014/main" id="{51D942AD-3814-9D84-2A7C-8DE8164201FE}"/>
+                <a16:creationId xmlns:a16="http://schemas.microsoft.com/office/drawing/2014/main" id="{08876D2D-250D-5632-D573-0C78935A6DB4}"/>
               </a:ext>
             </a:extLst>
           </p:cNvPr>
@@ -1792,7 +1792,7 @@
           <p:cNvPr id="7" name="日期占位符 6">
             <a:extLst>
               <a:ext uri="{FF2B5EF4-FFF2-40B4-BE49-F238E27FC236}">
-                <a16:creationId xmlns:a16="http://schemas.microsoft.com/office/drawing/2014/main" id="{0CEEAB88-F461-DE33-D0F8-545A8FFF9FA0}"/>
+                <a16:creationId xmlns:a16="http://schemas.microsoft.com/office/drawing/2014/main" id="{4E641683-7C82-9630-D4F0-F3230DE87219}"/>
               </a:ext>
             </a:extLst>
           </p:cNvPr>
@@ -1808,7 +1808,7 @@
           <a:bodyPr/>
           <a:lstStyle/>
           <a:p>
-            <a:fld id="{16DD1FED-687C-49BB-A123-43622980FD18}" type="datetimeFigureOut">
+            <a:fld id="{1CF3B708-E129-43DB-8FDD-64DA82E60FCD}" type="datetimeFigureOut">
               <a:rPr lang="zh-CN" altLang="en-US" smtClean="0"/>
               <a:t>2024/3/10</a:t>
             </a:fld>
@@ -1821,7 +1821,7 @@
           <p:cNvPr id="8" name="页脚占位符 7">
             <a:extLst>
               <a:ext uri="{FF2B5EF4-FFF2-40B4-BE49-F238E27FC236}">
-                <a16:creationId xmlns:a16="http://schemas.microsoft.com/office/drawing/2014/main" id="{EFDFCEAA-91DF-41DD-497E-F08A947CAF67}"/>
+                <a16:creationId xmlns:a16="http://schemas.microsoft.com/office/drawing/2014/main" id="{9F8124DE-1159-8A0A-5AEB-7F9AC166FDB7}"/>
               </a:ext>
             </a:extLst>
           </p:cNvPr>
@@ -1846,7 +1846,7 @@
           <p:cNvPr id="9" name="灯片编号占位符 8">
             <a:extLst>
               <a:ext uri="{FF2B5EF4-FFF2-40B4-BE49-F238E27FC236}">
-                <a16:creationId xmlns:a16="http://schemas.microsoft.com/office/drawing/2014/main" id="{A4069BD7-428B-C979-BD38-62ED71CABAAC}"/>
+                <a16:creationId xmlns:a16="http://schemas.microsoft.com/office/drawing/2014/main" id="{3D348144-DCCD-A853-290D-AE455073C95B}"/>
               </a:ext>
             </a:extLst>
           </p:cNvPr>
@@ -1862,7 +1862,7 @@
           <a:bodyPr/>
           <a:lstStyle/>
           <a:p>
-            <a:fld id="{D99799A1-B408-44F4-880F-1B0D8BCF72A2}" type="slidenum">
+            <a:fld id="{C7B0BD00-0FC5-40DB-868E-9673D158203F}" type="slidenum">
               <a:rPr lang="zh-CN" altLang="en-US" smtClean="0"/>
               <a:t>‹#›</a:t>
             </a:fld>
@@ -1873,7 +1873,7 @@
     </p:spTree>
     <p:extLst>
       <p:ext uri="{BB962C8B-B14F-4D97-AF65-F5344CB8AC3E}">
-        <p14:creationId xmlns:p14="http://schemas.microsoft.com/office/powerpoint/2010/main" val="2573045042"/>
+        <p14:creationId xmlns:p14="http://schemas.microsoft.com/office/powerpoint/2010/main" val="2774621135"/>
       </p:ext>
     </p:extLst>
   </p:cSld>
@@ -1905,7 +1905,7 @@
           <p:cNvPr id="2" name="标题 1">
             <a:extLst>
               <a:ext uri="{FF2B5EF4-FFF2-40B4-BE49-F238E27FC236}">
-                <a16:creationId xmlns:a16="http://schemas.microsoft.com/office/drawing/2014/main" id="{1739CDBD-26DB-FD17-ABD6-3F1E2661313C}"/>
+                <a16:creationId xmlns:a16="http://schemas.microsoft.com/office/drawing/2014/main" id="{9336DAA8-B2B5-C994-6E78-827DA3137ECD}"/>
               </a:ext>
             </a:extLst>
           </p:cNvPr>
@@ -1933,7 +1933,7 @@
           <p:cNvPr id="3" name="日期占位符 2">
             <a:extLst>
               <a:ext uri="{FF2B5EF4-FFF2-40B4-BE49-F238E27FC236}">
-                <a16:creationId xmlns:a16="http://schemas.microsoft.com/office/drawing/2014/main" id="{A26D5E8A-31CC-E8DC-9FFB-97B16CAF9DB2}"/>
+                <a16:creationId xmlns:a16="http://schemas.microsoft.com/office/drawing/2014/main" id="{8C618110-A727-D8EF-949C-70E90B7B63DE}"/>
               </a:ext>
             </a:extLst>
           </p:cNvPr>
@@ -1949,7 +1949,7 @@
           <a:bodyPr/>
           <a:lstStyle/>
           <a:p>
-            <a:fld id="{16DD1FED-687C-49BB-A123-43622980FD18}" type="datetimeFigureOut">
+            <a:fld id="{1CF3B708-E129-43DB-8FDD-64DA82E60FCD}" type="datetimeFigureOut">
               <a:rPr lang="zh-CN" altLang="en-US" smtClean="0"/>
               <a:t>2024/3/10</a:t>
             </a:fld>
@@ -1962,7 +1962,7 @@
           <p:cNvPr id="4" name="页脚占位符 3">
             <a:extLst>
               <a:ext uri="{FF2B5EF4-FFF2-40B4-BE49-F238E27FC236}">
-                <a16:creationId xmlns:a16="http://schemas.microsoft.com/office/drawing/2014/main" id="{22ED922A-9DD7-3D1C-82A0-E0881A6D5D87}"/>
+                <a16:creationId xmlns:a16="http://schemas.microsoft.com/office/drawing/2014/main" id="{D826EF71-1D94-7146-76F8-2915CF8B1E1B}"/>
               </a:ext>
             </a:extLst>
           </p:cNvPr>
@@ -1987,7 +1987,7 @@
           <p:cNvPr id="5" name="灯片编号占位符 4">
             <a:extLst>
               <a:ext uri="{FF2B5EF4-FFF2-40B4-BE49-F238E27FC236}">
-                <a16:creationId xmlns:a16="http://schemas.microsoft.com/office/drawing/2014/main" id="{C4EFCDCF-9C37-9362-62E9-DE85AF6CD7C3}"/>
+                <a16:creationId xmlns:a16="http://schemas.microsoft.com/office/drawing/2014/main" id="{97EFD2AB-3FEE-88E7-6133-BAD08AA4E072}"/>
               </a:ext>
             </a:extLst>
           </p:cNvPr>
@@ -2003,7 +2003,7 @@
           <a:bodyPr/>
           <a:lstStyle/>
           <a:p>
-            <a:fld id="{D99799A1-B408-44F4-880F-1B0D8BCF72A2}" type="slidenum">
+            <a:fld id="{C7B0BD00-0FC5-40DB-868E-9673D158203F}" type="slidenum">
               <a:rPr lang="zh-CN" altLang="en-US" smtClean="0"/>
               <a:t>‹#›</a:t>
             </a:fld>
@@ -2014,7 +2014,7 @@
     </p:spTree>
     <p:extLst>
       <p:ext uri="{BB962C8B-B14F-4D97-AF65-F5344CB8AC3E}">
-        <p14:creationId xmlns:p14="http://schemas.microsoft.com/office/powerpoint/2010/main" val="4292976475"/>
+        <p14:creationId xmlns:p14="http://schemas.microsoft.com/office/powerpoint/2010/main" val="1392877114"/>
       </p:ext>
     </p:extLst>
   </p:cSld>
@@ -2046,7 +2046,7 @@
           <p:cNvPr id="2" name="日期占位符 1">
             <a:extLst>
               <a:ext uri="{FF2B5EF4-FFF2-40B4-BE49-F238E27FC236}">
-                <a16:creationId xmlns:a16="http://schemas.microsoft.com/office/drawing/2014/main" id="{951E5E6C-C791-3D44-31E4-A35BF6EC69AA}"/>
+                <a16:creationId xmlns:a16="http://schemas.microsoft.com/office/drawing/2014/main" id="{50035B32-CE8E-9EA7-C8D5-365DBE9F4006}"/>
               </a:ext>
             </a:extLst>
           </p:cNvPr>
@@ -2062,7 +2062,7 @@
           <a:bodyPr/>
           <a:lstStyle/>
           <a:p>
-            <a:fld id="{16DD1FED-687C-49BB-A123-43622980FD18}" type="datetimeFigureOut">
+            <a:fld id="{1CF3B708-E129-43DB-8FDD-64DA82E60FCD}" type="datetimeFigureOut">
               <a:rPr lang="zh-CN" altLang="en-US" smtClean="0"/>
               <a:t>2024/3/10</a:t>
             </a:fld>
@@ -2075,7 +2075,7 @@
           <p:cNvPr id="3" name="页脚占位符 2">
             <a:extLst>
               <a:ext uri="{FF2B5EF4-FFF2-40B4-BE49-F238E27FC236}">
-                <a16:creationId xmlns:a16="http://schemas.microsoft.com/office/drawing/2014/main" id="{90C20FE8-CCD5-69C4-C3F2-065F78428338}"/>
+                <a16:creationId xmlns:a16="http://schemas.microsoft.com/office/drawing/2014/main" id="{DF6A8352-D978-8DB4-28B9-F45BFD1BE79C}"/>
               </a:ext>
             </a:extLst>
           </p:cNvPr>
@@ -2100,7 +2100,7 @@
           <p:cNvPr id="4" name="灯片编号占位符 3">
             <a:extLst>
               <a:ext uri="{FF2B5EF4-FFF2-40B4-BE49-F238E27FC236}">
-                <a16:creationId xmlns:a16="http://schemas.microsoft.com/office/drawing/2014/main" id="{D372A00F-5596-2CE1-DAD9-468ED95C5D51}"/>
+                <a16:creationId xmlns:a16="http://schemas.microsoft.com/office/drawing/2014/main" id="{3B8B74EC-117B-9E70-E195-4501CC24DB0B}"/>
               </a:ext>
             </a:extLst>
           </p:cNvPr>
@@ -2116,7 +2116,7 @@
           <a:bodyPr/>
           <a:lstStyle/>
           <a:p>
-            <a:fld id="{D99799A1-B408-44F4-880F-1B0D8BCF72A2}" type="slidenum">
+            <a:fld id="{C7B0BD00-0FC5-40DB-868E-9673D158203F}" type="slidenum">
               <a:rPr lang="zh-CN" altLang="en-US" smtClean="0"/>
               <a:t>‹#›</a:t>
             </a:fld>
@@ -2127,7 +2127,7 @@
     </p:spTree>
     <p:extLst>
       <p:ext uri="{BB962C8B-B14F-4D97-AF65-F5344CB8AC3E}">
-        <p14:creationId xmlns:p14="http://schemas.microsoft.com/office/powerpoint/2010/main" val="1746981288"/>
+        <p14:creationId xmlns:p14="http://schemas.microsoft.com/office/powerpoint/2010/main" val="2867934137"/>
       </p:ext>
     </p:extLst>
   </p:cSld>
@@ -2159,7 +2159,7 @@
           <p:cNvPr id="2" name="标题 1">
             <a:extLst>
               <a:ext uri="{FF2B5EF4-FFF2-40B4-BE49-F238E27FC236}">
-                <a16:creationId xmlns:a16="http://schemas.microsoft.com/office/drawing/2014/main" id="{457D14C2-FC80-1B7E-A416-3CAA934C7E62}"/>
+                <a16:creationId xmlns:a16="http://schemas.microsoft.com/office/drawing/2014/main" id="{51FDAB7B-041C-F30C-7379-570E87B186BF}"/>
               </a:ext>
             </a:extLst>
           </p:cNvPr>
@@ -2196,7 +2196,7 @@
           <p:cNvPr id="3" name="内容占位符 2">
             <a:extLst>
               <a:ext uri="{FF2B5EF4-FFF2-40B4-BE49-F238E27FC236}">
-                <a16:creationId xmlns:a16="http://schemas.microsoft.com/office/drawing/2014/main" id="{AD2BFAA4-9A6C-9AB5-6FCF-02AA92A77B51}"/>
+                <a16:creationId xmlns:a16="http://schemas.microsoft.com/office/drawing/2014/main" id="{C6875E85-ED09-0602-C7FB-E543A2B5D790}"/>
               </a:ext>
             </a:extLst>
           </p:cNvPr>
@@ -2286,7 +2286,7 @@
           <p:cNvPr id="4" name="文本占位符 3">
             <a:extLst>
               <a:ext uri="{FF2B5EF4-FFF2-40B4-BE49-F238E27FC236}">
-                <a16:creationId xmlns:a16="http://schemas.microsoft.com/office/drawing/2014/main" id="{76C743DA-DD30-B519-5D64-18416A9306FF}"/>
+                <a16:creationId xmlns:a16="http://schemas.microsoft.com/office/drawing/2014/main" id="{58891DCE-2507-7BBC-A631-5C50B4CBF3F6}"/>
               </a:ext>
             </a:extLst>
           </p:cNvPr>
@@ -2357,7 +2357,7 @@
           <p:cNvPr id="5" name="日期占位符 4">
             <a:extLst>
               <a:ext uri="{FF2B5EF4-FFF2-40B4-BE49-F238E27FC236}">
-                <a16:creationId xmlns:a16="http://schemas.microsoft.com/office/drawing/2014/main" id="{5270FE22-E187-AA05-B24D-A032498B9C5B}"/>
+                <a16:creationId xmlns:a16="http://schemas.microsoft.com/office/drawing/2014/main" id="{0DF88810-E188-0518-0165-7EB2895A444C}"/>
               </a:ext>
             </a:extLst>
           </p:cNvPr>
@@ -2373,7 +2373,7 @@
           <a:bodyPr/>
           <a:lstStyle/>
           <a:p>
-            <a:fld id="{16DD1FED-687C-49BB-A123-43622980FD18}" type="datetimeFigureOut">
+            <a:fld id="{1CF3B708-E129-43DB-8FDD-64DA82E60FCD}" type="datetimeFigureOut">
               <a:rPr lang="zh-CN" altLang="en-US" smtClean="0"/>
               <a:t>2024/3/10</a:t>
             </a:fld>
@@ -2386,7 +2386,7 @@
           <p:cNvPr id="6" name="页脚占位符 5">
             <a:extLst>
               <a:ext uri="{FF2B5EF4-FFF2-40B4-BE49-F238E27FC236}">
-                <a16:creationId xmlns:a16="http://schemas.microsoft.com/office/drawing/2014/main" id="{034BD6C8-455F-8E0B-0F0A-BC0B3FDC8EB5}"/>
+                <a16:creationId xmlns:a16="http://schemas.microsoft.com/office/drawing/2014/main" id="{7F63156B-0722-50FF-AE7D-0B6E189C99A2}"/>
               </a:ext>
             </a:extLst>
           </p:cNvPr>
@@ -2411,7 +2411,7 @@
           <p:cNvPr id="7" name="灯片编号占位符 6">
             <a:extLst>
               <a:ext uri="{FF2B5EF4-FFF2-40B4-BE49-F238E27FC236}">
-                <a16:creationId xmlns:a16="http://schemas.microsoft.com/office/drawing/2014/main" id="{D2F77208-1B5F-8756-2186-F89DDB1D1F55}"/>
+                <a16:creationId xmlns:a16="http://schemas.microsoft.com/office/drawing/2014/main" id="{EF831857-B208-1244-D5F1-D223231AB073}"/>
               </a:ext>
             </a:extLst>
           </p:cNvPr>
@@ -2427,7 +2427,7 @@
           <a:bodyPr/>
           <a:lstStyle/>
           <a:p>
-            <a:fld id="{D99799A1-B408-44F4-880F-1B0D8BCF72A2}" type="slidenum">
+            <a:fld id="{C7B0BD00-0FC5-40DB-868E-9673D158203F}" type="slidenum">
               <a:rPr lang="zh-CN" altLang="en-US" smtClean="0"/>
               <a:t>‹#›</a:t>
             </a:fld>
@@ -2438,7 +2438,7 @@
     </p:spTree>
     <p:extLst>
       <p:ext uri="{BB962C8B-B14F-4D97-AF65-F5344CB8AC3E}">
-        <p14:creationId xmlns:p14="http://schemas.microsoft.com/office/powerpoint/2010/main" val="4217395002"/>
+        <p14:creationId xmlns:p14="http://schemas.microsoft.com/office/powerpoint/2010/main" val="2930175695"/>
       </p:ext>
     </p:extLst>
   </p:cSld>
@@ -2470,7 +2470,7 @@
           <p:cNvPr id="2" name="标题 1">
             <a:extLst>
               <a:ext uri="{FF2B5EF4-FFF2-40B4-BE49-F238E27FC236}">
-                <a16:creationId xmlns:a16="http://schemas.microsoft.com/office/drawing/2014/main" id="{61F7F0E1-906D-1002-0497-9AD366FE20B3}"/>
+                <a16:creationId xmlns:a16="http://schemas.microsoft.com/office/drawing/2014/main" id="{D25FA630-94A1-139B-6950-EC4473F5780C}"/>
               </a:ext>
             </a:extLst>
           </p:cNvPr>
@@ -2507,7 +2507,7 @@
           <p:cNvPr id="3" name="图片占位符 2">
             <a:extLst>
               <a:ext uri="{FF2B5EF4-FFF2-40B4-BE49-F238E27FC236}">
-                <a16:creationId xmlns:a16="http://schemas.microsoft.com/office/drawing/2014/main" id="{9E737AAB-5B1A-832F-110F-CF448F5645F9}"/>
+                <a16:creationId xmlns:a16="http://schemas.microsoft.com/office/drawing/2014/main" id="{F22B0BF5-F9FD-3571-908C-048D9CE62089}"/>
               </a:ext>
             </a:extLst>
           </p:cNvPr>
@@ -2574,7 +2574,7 @@
           <p:cNvPr id="4" name="文本占位符 3">
             <a:extLst>
               <a:ext uri="{FF2B5EF4-FFF2-40B4-BE49-F238E27FC236}">
-                <a16:creationId xmlns:a16="http://schemas.microsoft.com/office/drawing/2014/main" id="{A629BEE9-43BF-C3E1-6B62-61F1B9D80916}"/>
+                <a16:creationId xmlns:a16="http://schemas.microsoft.com/office/drawing/2014/main" id="{28255284-E251-3A4F-FF2D-7F9A4DA79809}"/>
               </a:ext>
             </a:extLst>
           </p:cNvPr>
@@ -2645,7 +2645,7 @@
           <p:cNvPr id="5" name="日期占位符 4">
             <a:extLst>
               <a:ext uri="{FF2B5EF4-FFF2-40B4-BE49-F238E27FC236}">
-                <a16:creationId xmlns:a16="http://schemas.microsoft.com/office/drawing/2014/main" id="{D3277156-7AA0-E286-614C-1B68CA615E57}"/>
+                <a16:creationId xmlns:a16="http://schemas.microsoft.com/office/drawing/2014/main" id="{8BC9493B-601B-15AF-AFE2-D13AE0A4AB74}"/>
               </a:ext>
             </a:extLst>
           </p:cNvPr>
@@ -2661,7 +2661,7 @@
           <a:bodyPr/>
           <a:lstStyle/>
           <a:p>
-            <a:fld id="{16DD1FED-687C-49BB-A123-43622980FD18}" type="datetimeFigureOut">
+            <a:fld id="{1CF3B708-E129-43DB-8FDD-64DA82E60FCD}" type="datetimeFigureOut">
               <a:rPr lang="zh-CN" altLang="en-US" smtClean="0"/>
               <a:t>2024/3/10</a:t>
             </a:fld>
@@ -2674,7 +2674,7 @@
           <p:cNvPr id="6" name="页脚占位符 5">
             <a:extLst>
               <a:ext uri="{FF2B5EF4-FFF2-40B4-BE49-F238E27FC236}">
-                <a16:creationId xmlns:a16="http://schemas.microsoft.com/office/drawing/2014/main" id="{626D7732-A11D-63AB-5939-8B7314768EB8}"/>
+                <a16:creationId xmlns:a16="http://schemas.microsoft.com/office/drawing/2014/main" id="{0D50066C-0FA0-BFD3-373F-51A271C1F28D}"/>
               </a:ext>
             </a:extLst>
           </p:cNvPr>
@@ -2699,7 +2699,7 @@
           <p:cNvPr id="7" name="灯片编号占位符 6">
             <a:extLst>
               <a:ext uri="{FF2B5EF4-FFF2-40B4-BE49-F238E27FC236}">
-                <a16:creationId xmlns:a16="http://schemas.microsoft.com/office/drawing/2014/main" id="{4A0D7678-107F-B425-CECB-2A6B5B72DB1C}"/>
+                <a16:creationId xmlns:a16="http://schemas.microsoft.com/office/drawing/2014/main" id="{18B8B98B-43D0-C1B1-BF2F-67624B4FC82E}"/>
               </a:ext>
             </a:extLst>
           </p:cNvPr>
@@ -2715,7 +2715,7 @@
           <a:bodyPr/>
           <a:lstStyle/>
           <a:p>
-            <a:fld id="{D99799A1-B408-44F4-880F-1B0D8BCF72A2}" type="slidenum">
+            <a:fld id="{C7B0BD00-0FC5-40DB-868E-9673D158203F}" type="slidenum">
               <a:rPr lang="zh-CN" altLang="en-US" smtClean="0"/>
               <a:t>‹#›</a:t>
             </a:fld>
@@ -2726,7 +2726,7 @@
     </p:spTree>
     <p:extLst>
       <p:ext uri="{BB962C8B-B14F-4D97-AF65-F5344CB8AC3E}">
-        <p14:creationId xmlns:p14="http://schemas.microsoft.com/office/powerpoint/2010/main" val="3584530724"/>
+        <p14:creationId xmlns:p14="http://schemas.microsoft.com/office/powerpoint/2010/main" val="3566036738"/>
       </p:ext>
     </p:extLst>
   </p:cSld>
@@ -2763,7 +2763,7 @@
           <p:cNvPr id="2" name="标题占位符 1">
             <a:extLst>
               <a:ext uri="{FF2B5EF4-FFF2-40B4-BE49-F238E27FC236}">
-                <a16:creationId xmlns:a16="http://schemas.microsoft.com/office/drawing/2014/main" id="{D01D380E-D0B2-D6B8-BA9A-A3F1858C70AA}"/>
+                <a16:creationId xmlns:a16="http://schemas.microsoft.com/office/drawing/2014/main" id="{28E0F242-9AF8-95F3-FE52-A9143B14FAF0}"/>
               </a:ext>
             </a:extLst>
           </p:cNvPr>
@@ -2801,7 +2801,7 @@
           <p:cNvPr id="3" name="文本占位符 2">
             <a:extLst>
               <a:ext uri="{FF2B5EF4-FFF2-40B4-BE49-F238E27FC236}">
-                <a16:creationId xmlns:a16="http://schemas.microsoft.com/office/drawing/2014/main" id="{A24D8C38-885D-5B24-E7DF-44648D69C996}"/>
+                <a16:creationId xmlns:a16="http://schemas.microsoft.com/office/drawing/2014/main" id="{85096369-3CF5-5646-B153-53EF409F523E}"/>
               </a:ext>
             </a:extLst>
           </p:cNvPr>
@@ -2868,7 +2868,7 @@
           <p:cNvPr id="4" name="日期占位符 3">
             <a:extLst>
               <a:ext uri="{FF2B5EF4-FFF2-40B4-BE49-F238E27FC236}">
-                <a16:creationId xmlns:a16="http://schemas.microsoft.com/office/drawing/2014/main" id="{2073E911-DA86-2A62-592B-D7368E01B8E2}"/>
+                <a16:creationId xmlns:a16="http://schemas.microsoft.com/office/drawing/2014/main" id="{DA934F37-FF3C-2CBA-AD70-157E4B3E11A2}"/>
               </a:ext>
             </a:extLst>
           </p:cNvPr>
@@ -2902,7 +2902,7 @@
             </a:lvl1pPr>
           </a:lstStyle>
           <a:p>
-            <a:fld id="{16DD1FED-687C-49BB-A123-43622980FD18}" type="datetimeFigureOut">
+            <a:fld id="{1CF3B708-E129-43DB-8FDD-64DA82E60FCD}" type="datetimeFigureOut">
               <a:rPr lang="zh-CN" altLang="en-US" smtClean="0"/>
               <a:t>2024/3/10</a:t>
             </a:fld>
@@ -2915,7 +2915,7 @@
           <p:cNvPr id="5" name="页脚占位符 4">
             <a:extLst>
               <a:ext uri="{FF2B5EF4-FFF2-40B4-BE49-F238E27FC236}">
-                <a16:creationId xmlns:a16="http://schemas.microsoft.com/office/drawing/2014/main" id="{D03CDA27-6FEA-CC55-B5AD-9B0BC8D4AFFD}"/>
+                <a16:creationId xmlns:a16="http://schemas.microsoft.com/office/drawing/2014/main" id="{BD5FE914-3930-3097-88A5-95140DDCB73D}"/>
               </a:ext>
             </a:extLst>
           </p:cNvPr>
@@ -2958,7 +2958,7 @@
           <p:cNvPr id="6" name="灯片编号占位符 5">
             <a:extLst>
               <a:ext uri="{FF2B5EF4-FFF2-40B4-BE49-F238E27FC236}">
-                <a16:creationId xmlns:a16="http://schemas.microsoft.com/office/drawing/2014/main" id="{37819AE1-81C3-2EBE-387A-EB2519077DDF}"/>
+                <a16:creationId xmlns:a16="http://schemas.microsoft.com/office/drawing/2014/main" id="{85E77CDC-9681-B412-AEC8-3DB2C0F556DB}"/>
               </a:ext>
             </a:extLst>
           </p:cNvPr>
@@ -2992,7 +2992,7 @@
             </a:lvl1pPr>
           </a:lstStyle>
           <a:p>
-            <a:fld id="{D99799A1-B408-44F4-880F-1B0D8BCF72A2}" type="slidenum">
+            <a:fld id="{C7B0BD00-0FC5-40DB-868E-9673D158203F}" type="slidenum">
               <a:rPr lang="zh-CN" altLang="en-US" smtClean="0"/>
               <a:t>‹#›</a:t>
             </a:fld>
@@ -3003,7 +3003,7 @@
     </p:spTree>
     <p:extLst>
       <p:ext uri="{BB962C8B-B14F-4D97-AF65-F5344CB8AC3E}">
-        <p14:creationId xmlns:p14="http://schemas.microsoft.com/office/powerpoint/2010/main" val="136506524"/>
+        <p14:creationId xmlns:p14="http://schemas.microsoft.com/office/powerpoint/2010/main" val="1647397391"/>
       </p:ext>
     </p:extLst>
   </p:cSld>
